--- a/presentations/poster.pptx
+++ b/presentations/poster.pptx
@@ -560,7 +560,7 @@
             <a:fld id="{0158C5BC-9A70-462C-B28D-9600239EAC64}" type="datetimeFigureOut">
               <a:rPr lang="en-US" smtClean="0"/>
               <a:pPr/>
-              <a:t>3/1/2021</a:t>
+              <a:t>3/18/2021</a:t>
             </a:fld>
             <a:endParaRPr lang="en-US"/>
           </a:p>
@@ -727,7 +727,7 @@
             <a:fld id="{E6CC2317-6751-4CD4-9995-8782DD78E936}" type="datetimeFigureOut">
               <a:rPr lang="en-US" smtClean="0"/>
               <a:pPr/>
-              <a:t>3/1/2021</a:t>
+              <a:t>3/18/2021</a:t>
             </a:fld>
             <a:endParaRPr lang="en-US" dirty="0"/>
           </a:p>
@@ -34849,7 +34849,7 @@
           <p:nvPr>
             <p:extLst>
               <p:ext uri="{D42A27DB-BD31-4B8C-83A1-F6EECF244321}">
-                <p14:modId xmlns:p14="http://schemas.microsoft.com/office/powerpoint/2010/main" val="1143638663"/>
+                <p14:modId xmlns:p14="http://schemas.microsoft.com/office/powerpoint/2010/main" val="1145214343"/>
               </p:ext>
             </p:extLst>
           </p:nvPr>
@@ -34978,7 +34978,7 @@
                       <a:pPr algn="ctr"/>
                       <a:r>
                         <a:rPr lang="en-US" sz="3000" dirty="0"/>
-                        <a:t>TBD</a:t>
+                        <a:t>0.609</a:t>
                       </a:r>
                     </a:p>
                   </a:txBody>
@@ -34992,7 +34992,7 @@
                       <a:pPr algn="ctr"/>
                       <a:r>
                         <a:rPr lang="en-US" sz="3000" dirty="0"/>
-                        <a:t>TBD</a:t>
+                        <a:t>0.832</a:t>
                       </a:r>
                     </a:p>
                   </a:txBody>
@@ -35041,7 +35041,7 @@
                       <a:pPr algn="ctr"/>
                       <a:r>
                         <a:rPr lang="en-US" sz="3000" dirty="0"/>
-                        <a:t>TBD</a:t>
+                        <a:t>0.450</a:t>
                       </a:r>
                     </a:p>
                   </a:txBody>
@@ -35055,7 +35055,7 @@
                       <a:pPr algn="ctr"/>
                       <a:r>
                         <a:rPr lang="en-US" sz="3000" dirty="0"/>
-                        <a:t>TBD</a:t>
+                        <a:t>0.732</a:t>
                       </a:r>
                     </a:p>
                   </a:txBody>

--- a/presentations/poster.pptx
+++ b/presentations/poster.pptx
@@ -560,7 +560,7 @@
             <a:fld id="{0158C5BC-9A70-462C-B28D-9600239EAC64}" type="datetimeFigureOut">
               <a:rPr lang="en-US" smtClean="0"/>
               <a:pPr/>
-              <a:t>3/18/2021</a:t>
+              <a:t>3/21/2021</a:t>
             </a:fld>
             <a:endParaRPr lang="en-US"/>
           </a:p>
@@ -727,7 +727,7 @@
             <a:fld id="{E6CC2317-6751-4CD4-9995-8782DD78E936}" type="datetimeFigureOut">
               <a:rPr lang="en-US" smtClean="0"/>
               <a:pPr/>
-              <a:t>3/18/2021</a:t>
+              <a:t>3/21/2021</a:t>
             </a:fld>
             <a:endParaRPr lang="en-US" dirty="0"/>
           </a:p>
@@ -34089,7 +34089,7 @@
         <p:spPr>
           <a:xfrm>
             <a:off x="33422043" y="5503831"/>
-            <a:ext cx="10047018" cy="8956276"/>
+            <a:ext cx="10047018" cy="7848280"/>
           </a:xfrm>
         </p:spPr>
         <p:txBody>
@@ -34106,16 +34106,7 @@
             </a:r>
             <a:r>
               <a:rPr lang="en-US" sz="3000" dirty="0"/>
-              <a:t> model it is derived from. Both the detection and classification models achieve high performance based on the objectives, meaning they are able to detect and classify high risk lifting action based on IMU data, despite the relatively small size of the dataset compared to other HAR problems. These models could be implemented in a real-time classification system to help protect workers from dangerous lifting activity in the workplace.</a:t>
-            </a:r>
-          </a:p>
-          <a:p>
-            <a:endParaRPr lang="en-US" sz="3000" dirty="0"/>
-          </a:p>
-          <a:p>
-            <a:r>
-              <a:rPr lang="en-US" sz="3000" dirty="0"/>
-              <a:t>Future work includes improving the precision of the detection model for better performance, determining memory usage and requirements of an in-place system, and identifying optimal sensor configurations for minimally intrusive recognition systems.</a:t>
+              <a:t> model it is derived from. Both the detection and classification models achieve high performance based on the objectives, meaning they are able to detect and classify high risk lifting action based on IMU data, despite the relatively small size of the dataset compared to other HAR problems. These models could be implemented in a real-time classification system to help protect workers from dangerous lifting activity in the workplace. Future work includes improving the precision of the detection model for better performance, determining memory usage and requirements of an in-place system, and identifying optimal sensor configurations for minimally intrusive recognition systems.</a:t>
             </a:r>
           </a:p>
         </p:txBody>
@@ -34138,7 +34129,7 @@
         </p:nvSpPr>
         <p:spPr>
           <a:xfrm>
-            <a:off x="33422043" y="14784252"/>
+            <a:off x="33422043" y="13359162"/>
             <a:ext cx="10047018" cy="923322"/>
           </a:xfrm>
         </p:spPr>
@@ -34172,8 +34163,8 @@
         </p:nvSpPr>
         <p:spPr>
           <a:xfrm>
-            <a:off x="33422043" y="15719560"/>
-            <a:ext cx="10052050" cy="7771336"/>
+            <a:off x="33422043" y="14058980"/>
+            <a:ext cx="10052050" cy="10156604"/>
           </a:xfrm>
         </p:spPr>
         <p:txBody>
@@ -34181,133 +34172,133 @@
           <a:lstStyle/>
           <a:p>
             <a:r>
-              <a:rPr lang="en-US" dirty="0"/>
+              <a:rPr lang="en-US" sz="3000" dirty="0"/>
               <a:t>[1] 1981. Work practices guide for manual lifting. Technical Report. </a:t>
             </a:r>
             <a:r>
-              <a:rPr lang="en-US" dirty="0">
+              <a:rPr lang="en-US" sz="3000" dirty="0">
                 <a:hlinkClick r:id="rId2"/>
               </a:rPr>
               <a:t>https://doi.org/10.26616/nioshpub81122</a:t>
             </a:r>
-            <a:endParaRPr lang="en-US" dirty="0"/>
+            <a:endParaRPr lang="en-US" sz="3000" dirty="0"/>
           </a:p>
           <a:p>
             <a:r>
-              <a:rPr lang="en-US" dirty="0"/>
+              <a:rPr lang="en-US" sz="3000" dirty="0"/>
               <a:t>[2] R. </a:t>
             </a:r>
             <a:r>
-              <a:rPr lang="en-US" dirty="0" err="1"/>
+              <a:rPr lang="en-US" sz="3000" dirty="0" err="1"/>
               <a:t>Splittstoesser</a:t>
             </a:r>
             <a:r>
-              <a:rPr lang="en-US" dirty="0"/>
+              <a:rPr lang="en-US" sz="3000" dirty="0"/>
               <a:t>, D. O’Farrell, J. Hill, T. McMahon, N. Sastry, and M. </a:t>
             </a:r>
             <a:r>
-              <a:rPr lang="en-US" dirty="0" err="1"/>
+              <a:rPr lang="en-US" sz="3000" dirty="0" err="1"/>
               <a:t>Tiemeier</a:t>
             </a:r>
             <a:r>
-              <a:rPr lang="en-US" dirty="0"/>
+              <a:rPr lang="en-US" sz="3000" dirty="0"/>
               <a:t>. [n.d.]. 2005 ACGIH Lifting TLV:</a:t>
             </a:r>
           </a:p>
           <a:p>
             <a:r>
-              <a:rPr lang="en-US" dirty="0"/>
+              <a:rPr lang="en-US" sz="3000" dirty="0"/>
               <a:t>Employee-Friendly Presentation and Guidance for Professional Judgment. Energy Facility Contractor’s Group ([n. d.]).</a:t>
             </a:r>
           </a:p>
           <a:p>
             <a:r>
-              <a:rPr lang="en-US" dirty="0"/>
+              <a:rPr lang="en-US" sz="3000" dirty="0"/>
               <a:t>[3] </a:t>
             </a:r>
             <a:r>
-              <a:rPr lang="en-US" dirty="0" err="1"/>
+              <a:rPr lang="en-US" sz="3000" dirty="0" err="1"/>
               <a:t>Menekse</a:t>
             </a:r>
             <a:r>
-              <a:rPr lang="en-US" dirty="0"/>
+              <a:rPr lang="en-US" sz="3000" dirty="0"/>
               <a:t> </a:t>
             </a:r>
             <a:r>
-              <a:rPr lang="en-US" dirty="0" err="1"/>
+              <a:rPr lang="en-US" sz="3000" dirty="0" err="1"/>
               <a:t>Barim</a:t>
             </a:r>
             <a:r>
-              <a:rPr lang="en-US" dirty="0"/>
+              <a:rPr lang="en-US" sz="3000" dirty="0"/>
               <a:t>, Ming-</a:t>
             </a:r>
             <a:r>
-              <a:rPr lang="en-US" dirty="0" err="1"/>
+              <a:rPr lang="en-US" sz="3000" dirty="0" err="1"/>
               <a:t>Lun</a:t>
             </a:r>
             <a:r>
-              <a:rPr lang="en-US" dirty="0"/>
+              <a:rPr lang="en-US" sz="3000" dirty="0"/>
               <a:t> Lu, </a:t>
             </a:r>
             <a:r>
-              <a:rPr lang="en-US" dirty="0" err="1"/>
+              <a:rPr lang="en-US" sz="3000" dirty="0" err="1"/>
               <a:t>Shuo</a:t>
             </a:r>
             <a:r>
-              <a:rPr lang="en-US" dirty="0"/>
+              <a:rPr lang="en-US" sz="3000" dirty="0"/>
               <a:t> Feng, Grant Hughes, Marie Hayden, and Dwight </a:t>
             </a:r>
             <a:r>
-              <a:rPr lang="en-US" dirty="0" err="1"/>
+              <a:rPr lang="en-US" sz="3000" dirty="0" err="1"/>
               <a:t>Werren</a:t>
             </a:r>
             <a:r>
-              <a:rPr lang="en-US" dirty="0"/>
+              <a:rPr lang="en-US" sz="3000" dirty="0"/>
               <a:t>. 2019. Accuracy of An Algorithm Using Motion Data Of Five Wearable IMU Sensors For Estimating Lifting Duration And Lifting Risk Factors. Proceedings of the Human Factors and Ergonomics Society Annual Meeting 63 (11 2019), 1105–1111. </a:t>
             </a:r>
             <a:r>
-              <a:rPr lang="en-US" dirty="0">
+              <a:rPr lang="en-US" sz="3000" dirty="0">
                 <a:hlinkClick r:id="rId3"/>
               </a:rPr>
               <a:t>https://doi.org/10.1177/1071181319631367</a:t>
             </a:r>
-            <a:endParaRPr lang="en-US" dirty="0"/>
+            <a:endParaRPr lang="en-US" sz="3000" dirty="0"/>
           </a:p>
           <a:p>
             <a:r>
-              <a:rPr lang="en-US" dirty="0"/>
+              <a:rPr lang="en-US" sz="3000" dirty="0"/>
               <a:t>[4] Francisco </a:t>
             </a:r>
             <a:r>
-              <a:rPr lang="en-US" dirty="0" err="1"/>
+              <a:rPr lang="en-US" sz="3000" dirty="0" err="1"/>
               <a:t>Ordóñez</a:t>
             </a:r>
             <a:r>
-              <a:rPr lang="en-US" dirty="0"/>
+              <a:rPr lang="en-US" sz="3000" dirty="0"/>
               <a:t> and Daniel </a:t>
             </a:r>
             <a:r>
-              <a:rPr lang="en-US" dirty="0" err="1"/>
+              <a:rPr lang="en-US" sz="3000" dirty="0" err="1"/>
               <a:t>Roggen</a:t>
             </a:r>
             <a:r>
-              <a:rPr lang="en-US" dirty="0"/>
+              <a:rPr lang="en-US" sz="3000" dirty="0"/>
               <a:t>. 2016. Deep Convolutional and LSTM Recurrent Neural Networks for Multimodal Wearable Activity Recognition. Sensors 16, 1 (Jan. 2016), 115. </a:t>
             </a:r>
             <a:r>
-              <a:rPr lang="en-US" dirty="0">
+              <a:rPr lang="en-US" sz="3000" dirty="0">
                 <a:hlinkClick r:id="rId4"/>
               </a:rPr>
               <a:t>https://doi.org/10.3390/s16010115</a:t>
             </a:r>
             <a:r>
-              <a:rPr lang="en-US" dirty="0"/>
+              <a:rPr lang="en-US" sz="3000" dirty="0"/>
               <a:t> </a:t>
             </a:r>
           </a:p>
           <a:p>
             <a:r>
-              <a:rPr lang="en-US" dirty="0"/>
+              <a:rPr lang="en-US" sz="3000" dirty="0"/>
               <a:t>[5] L. Mosley. [n.d.]. A balanced approach to the multi-class imbalance problem.</a:t>
             </a:r>
           </a:p>
@@ -34331,7 +34322,7 @@
         </p:nvSpPr>
         <p:spPr>
           <a:xfrm>
-            <a:off x="33422043" y="23451146"/>
+            <a:off x="33422043" y="23912807"/>
             <a:ext cx="10047018" cy="923322"/>
           </a:xfrm>
         </p:spPr>
@@ -34364,7 +34355,7 @@
         </p:nvSpPr>
         <p:spPr>
           <a:xfrm>
-            <a:off x="38638715" y="24655895"/>
+            <a:off x="38579678" y="24922453"/>
             <a:ext cx="4678327" cy="3693297"/>
           </a:xfrm>
         </p:spPr>
@@ -34520,7 +34511,7 @@
         </p:blipFill>
         <p:spPr>
           <a:xfrm>
-            <a:off x="33988001" y="24655895"/>
+            <a:off x="33988001" y="24915402"/>
             <a:ext cx="4457551" cy="5943401"/>
           </a:xfrm>
           <a:prstGeom prst="rect">
